--- a/PPT/DB프로젝트 어플 구상.pptx
+++ b/PPT/DB프로젝트 어플 구상.pptx
@@ -3659,13 +3659,14 @@
           <p:cNvCxnSpPr>
             <a:cxnSpLocks/>
             <a:stCxn id="27" idx="1"/>
+            <a:endCxn id="44" idx="3"/>
           </p:cNvCxnSpPr>
           <p:nvPr/>
         </p:nvCxnSpPr>
         <p:spPr>
-          <a:xfrm flipH="1">
-            <a:off x="3344320" y="5412644"/>
-            <a:ext cx="3224473" cy="1402076"/>
+          <a:xfrm flipH="1" flipV="1">
+            <a:off x="4313841" y="5142477"/>
+            <a:ext cx="2254952" cy="270167"/>
           </a:xfrm>
           <a:prstGeom prst="straightConnector1">
             <a:avLst/>
@@ -4554,85 +4555,6 @@
       </p:grpSp>
       <p:cxnSp>
         <p:nvCxnSpPr>
-          <p:cNvPr id="81" name="직선 연결선 80">
-            <a:extLst>
-              <a:ext uri="{FF2B5EF4-FFF2-40B4-BE49-F238E27FC236}">
-                <a16:creationId xmlns:a16="http://schemas.microsoft.com/office/drawing/2014/main" id="{05A097D9-0BED-4134-AB70-C352BF958CC6}"/>
-              </a:ext>
-            </a:extLst>
-          </p:cNvPr>
-          <p:cNvCxnSpPr>
-            <a:stCxn id="6" idx="3"/>
-            <a:endCxn id="76" idx="1"/>
-          </p:cNvCxnSpPr>
-          <p:nvPr/>
-        </p:nvCxnSpPr>
-        <p:spPr>
-          <a:xfrm>
-            <a:off x="4313841" y="996104"/>
-            <a:ext cx="1863257" cy="718114"/>
-          </a:xfrm>
-          <a:prstGeom prst="line">
-            <a:avLst/>
-          </a:prstGeom>
-        </p:spPr>
-        <p:style>
-          <a:lnRef idx="1">
-            <a:schemeClr val="accent1"/>
-          </a:lnRef>
-          <a:fillRef idx="0">
-            <a:schemeClr val="accent1"/>
-          </a:fillRef>
-          <a:effectRef idx="0">
-            <a:schemeClr val="accent1"/>
-          </a:effectRef>
-          <a:fontRef idx="minor">
-            <a:schemeClr val="tx1"/>
-          </a:fontRef>
-        </p:style>
-      </p:cxnSp>
-      <p:cxnSp>
-        <p:nvCxnSpPr>
-          <p:cNvPr id="83" name="직선 연결선 82">
-            <a:extLst>
-              <a:ext uri="{FF2B5EF4-FFF2-40B4-BE49-F238E27FC236}">
-                <a16:creationId xmlns:a16="http://schemas.microsoft.com/office/drawing/2014/main" id="{5F2D1F8E-7042-473E-A0B3-538335217FC5}"/>
-              </a:ext>
-            </a:extLst>
-          </p:cNvPr>
-          <p:cNvCxnSpPr>
-            <a:cxnSpLocks/>
-            <a:stCxn id="77" idx="1"/>
-            <a:endCxn id="4" idx="3"/>
-          </p:cNvCxnSpPr>
-          <p:nvPr/>
-        </p:nvCxnSpPr>
-        <p:spPr>
-          <a:xfrm flipH="1" flipV="1">
-            <a:off x="4313843" y="1719159"/>
-            <a:ext cx="2256723" cy="275565"/>
-          </a:xfrm>
-          <a:prstGeom prst="line">
-            <a:avLst/>
-          </a:prstGeom>
-        </p:spPr>
-        <p:style>
-          <a:lnRef idx="1">
-            <a:schemeClr val="accent1"/>
-          </a:lnRef>
-          <a:fillRef idx="0">
-            <a:schemeClr val="accent1"/>
-          </a:fillRef>
-          <a:effectRef idx="0">
-            <a:schemeClr val="accent1"/>
-          </a:effectRef>
-          <a:fontRef idx="minor">
-            <a:schemeClr val="tx1"/>
-          </a:fontRef>
-        </p:style>
-      </p:cxnSp>
-      <p:cxnSp>
-        <p:nvCxnSpPr>
           <p:cNvPr id="86" name="직선 화살표 연결선 85">
             <a:extLst>
               <a:ext uri="{FF2B5EF4-FFF2-40B4-BE49-F238E27FC236}">
@@ -4641,15 +4563,16 @@
             </a:extLst>
           </p:cNvPr>
           <p:cNvCxnSpPr>
+            <a:cxnSpLocks/>
             <a:stCxn id="78" idx="3"/>
-            <a:endCxn id="8" idx="1"/>
+            <a:endCxn id="7" idx="1"/>
           </p:cNvCxnSpPr>
           <p:nvPr/>
         </p:nvCxnSpPr>
         <p:spPr>
           <a:xfrm flipV="1">
-            <a:off x="7832716" y="612782"/>
-            <a:ext cx="2227632" cy="1381941"/>
+            <a:off x="7832716" y="1718375"/>
+            <a:ext cx="2227632" cy="276348"/>
           </a:xfrm>
           <a:prstGeom prst="straightConnector1">
             <a:avLst/>
@@ -5013,15 +4936,16 @@
             </a:extLst>
           </p:cNvPr>
           <p:cNvCxnSpPr>
+            <a:cxnSpLocks/>
             <a:stCxn id="28" idx="2"/>
-            <a:endCxn id="92" idx="1"/>
+            <a:endCxn id="88" idx="1"/>
           </p:cNvCxnSpPr>
           <p:nvPr/>
         </p:nvCxnSpPr>
         <p:spPr>
           <a:xfrm flipV="1">
-            <a:off x="7623125" y="4465117"/>
-            <a:ext cx="2433668" cy="1055591"/>
+            <a:off x="7623125" y="5142477"/>
+            <a:ext cx="2433675" cy="378231"/>
           </a:xfrm>
           <a:prstGeom prst="straightConnector1">
             <a:avLst/>
@@ -5178,6 +5102,139 @@
           </a:fontRef>
         </p:style>
       </p:cxnSp>
+      <p:sp>
+        <p:nvSpPr>
+          <p:cNvPr id="101" name="직사각형 100">
+            <a:extLst>
+              <a:ext uri="{FF2B5EF4-FFF2-40B4-BE49-F238E27FC236}">
+                <a16:creationId xmlns:a16="http://schemas.microsoft.com/office/drawing/2014/main" id="{807B39C3-AD85-45E0-BD53-9FA6612D872E}"/>
+              </a:ext>
+            </a:extLst>
+          </p:cNvPr>
+          <p:cNvSpPr/>
+          <p:nvPr/>
+        </p:nvSpPr>
+        <p:spPr>
+          <a:xfrm>
+            <a:off x="-57673" y="-43756"/>
+            <a:ext cx="1727200" cy="612782"/>
+          </a:xfrm>
+          <a:prstGeom prst="rect">
+            <a:avLst/>
+          </a:prstGeom>
+        </p:spPr>
+        <p:style>
+          <a:lnRef idx="2">
+            <a:schemeClr val="dk1"/>
+          </a:lnRef>
+          <a:fillRef idx="1">
+            <a:schemeClr val="lt1"/>
+          </a:fillRef>
+          <a:effectRef idx="0">
+            <a:schemeClr val="dk1"/>
+          </a:effectRef>
+          <a:fontRef idx="minor">
+            <a:schemeClr val="dk1"/>
+          </a:fontRef>
+        </p:style>
+        <p:txBody>
+          <a:bodyPr rtlCol="0" anchor="ctr"/>
+          <a:lstStyle/>
+          <a:p>
+            <a:pPr algn="ctr"/>
+            <a:r>
+              <a:rPr lang="ko-KR" altLang="en-US" dirty="0"/>
+              <a:t>모임 화면</a:t>
+            </a:r>
+          </a:p>
+        </p:txBody>
+      </p:sp>
+      <p:cxnSp>
+        <p:nvCxnSpPr>
+          <p:cNvPr id="103" name="직선 화살표 연결선 102">
+            <a:extLst>
+              <a:ext uri="{FF2B5EF4-FFF2-40B4-BE49-F238E27FC236}">
+                <a16:creationId xmlns:a16="http://schemas.microsoft.com/office/drawing/2014/main" id="{60785D68-87E8-437E-B8B7-7F406A124CBB}"/>
+              </a:ext>
+            </a:extLst>
+          </p:cNvPr>
+          <p:cNvCxnSpPr>
+            <a:cxnSpLocks/>
+            <a:stCxn id="6" idx="3"/>
+            <a:endCxn id="76" idx="1"/>
+          </p:cNvCxnSpPr>
+          <p:nvPr/>
+        </p:nvCxnSpPr>
+        <p:spPr>
+          <a:xfrm>
+            <a:off x="4313841" y="996104"/>
+            <a:ext cx="1863257" cy="718114"/>
+          </a:xfrm>
+          <a:prstGeom prst="straightConnector1">
+            <a:avLst/>
+          </a:prstGeom>
+          <a:ln>
+            <a:tailEnd type="triangle"/>
+          </a:ln>
+        </p:spPr>
+        <p:style>
+          <a:lnRef idx="1">
+            <a:schemeClr val="accent1"/>
+          </a:lnRef>
+          <a:fillRef idx="0">
+            <a:schemeClr val="accent1"/>
+          </a:fillRef>
+          <a:effectRef idx="0">
+            <a:schemeClr val="accent1"/>
+          </a:effectRef>
+          <a:fontRef idx="minor">
+            <a:schemeClr val="tx1"/>
+          </a:fontRef>
+        </p:style>
+      </p:cxnSp>
+      <p:cxnSp>
+        <p:nvCxnSpPr>
+          <p:cNvPr id="106" name="직선 화살표 연결선 105">
+            <a:extLst>
+              <a:ext uri="{FF2B5EF4-FFF2-40B4-BE49-F238E27FC236}">
+                <a16:creationId xmlns:a16="http://schemas.microsoft.com/office/drawing/2014/main" id="{8CE9BDE1-6300-4980-B10C-09869EC951F4}"/>
+              </a:ext>
+            </a:extLst>
+          </p:cNvPr>
+          <p:cNvCxnSpPr>
+            <a:cxnSpLocks/>
+            <a:stCxn id="77" idx="1"/>
+            <a:endCxn id="4" idx="3"/>
+          </p:cNvCxnSpPr>
+          <p:nvPr/>
+        </p:nvCxnSpPr>
+        <p:spPr>
+          <a:xfrm flipH="1" flipV="1">
+            <a:off x="4313843" y="1719159"/>
+            <a:ext cx="2256723" cy="275565"/>
+          </a:xfrm>
+          <a:prstGeom prst="straightConnector1">
+            <a:avLst/>
+          </a:prstGeom>
+          <a:ln>
+            <a:tailEnd type="triangle"/>
+          </a:ln>
+        </p:spPr>
+        <p:style>
+          <a:lnRef idx="1">
+            <a:schemeClr val="accent1"/>
+          </a:lnRef>
+          <a:fillRef idx="0">
+            <a:schemeClr val="accent1"/>
+          </a:fillRef>
+          <a:effectRef idx="0">
+            <a:schemeClr val="accent1"/>
+          </a:effectRef>
+          <a:fontRef idx="minor">
+            <a:schemeClr val="tx1"/>
+          </a:fontRef>
+        </p:style>
+      </p:cxnSp>
     </p:spTree>
     <p:extLst>
       <p:ext uri="{BB962C8B-B14F-4D97-AF65-F5344CB8AC3E}">
@@ -5210,10 +5267,10 @@
       </p:grpSpPr>
       <p:grpSp>
         <p:nvGrpSpPr>
-          <p:cNvPr id="26" name="그룹 25">
+          <p:cNvPr id="107" name="그룹 106">
             <a:extLst>
               <a:ext uri="{FF2B5EF4-FFF2-40B4-BE49-F238E27FC236}">
-                <a16:creationId xmlns:a16="http://schemas.microsoft.com/office/drawing/2014/main" id="{04A84C21-83C7-4F3E-AFD9-E2CE5352DD60}"/>
+                <a16:creationId xmlns:a16="http://schemas.microsoft.com/office/drawing/2014/main" id="{C8759AF0-E3FC-4E9E-8A2A-1DD04E4E2A62}"/>
               </a:ext>
             </a:extLst>
           </p:cNvPr>
@@ -5222,10 +5279,10 @@
         </p:nvGrpSpPr>
         <p:grpSpPr>
           <a:xfrm>
-            <a:off x="590411" y="1271849"/>
-            <a:ext cx="2019992" cy="3383280"/>
-            <a:chOff x="5231476" y="1679170"/>
-            <a:chExt cx="2019992" cy="3383280"/>
+            <a:off x="585895" y="1271849"/>
+            <a:ext cx="2029024" cy="3383280"/>
+            <a:chOff x="585895" y="1271849"/>
+            <a:chExt cx="2029024" cy="3383280"/>
           </a:xfrm>
         </p:grpSpPr>
         <p:sp>
@@ -5242,7 +5299,7 @@
           </p:nvSpPr>
           <p:spPr>
             <a:xfrm>
-              <a:off x="5231476" y="1687483"/>
+              <a:off x="590411" y="1280162"/>
               <a:ext cx="2019992" cy="3374967"/>
             </a:xfrm>
             <a:prstGeom prst="rect">
@@ -5291,7 +5348,7 @@
           </p:nvSpPr>
           <p:spPr>
             <a:xfrm>
-              <a:off x="5231476" y="2053243"/>
+              <a:off x="590411" y="1645922"/>
               <a:ext cx="2019992" cy="432262"/>
             </a:xfrm>
             <a:prstGeom prst="rect">
@@ -5359,7 +5416,7 @@
           </p:nvSpPr>
           <p:spPr>
             <a:xfrm>
-              <a:off x="5231476" y="1679170"/>
+              <a:off x="590411" y="1271849"/>
               <a:ext cx="2019992" cy="365760"/>
             </a:xfrm>
             <a:prstGeom prst="rect">
@@ -5407,8 +5464,8 @@
           </p:nvSpPr>
           <p:spPr>
             <a:xfrm>
-              <a:off x="6099078" y="1679170"/>
-              <a:ext cx="1152390" cy="377047"/>
+              <a:off x="585895" y="2083306"/>
+              <a:ext cx="2029024" cy="377047"/>
             </a:xfrm>
             <a:prstGeom prst="rect">
               <a:avLst/>
@@ -5491,12 +5548,144 @@
           </a:fontRef>
         </p:style>
       </p:cxnSp>
+      <p:cxnSp>
+        <p:nvCxnSpPr>
+          <p:cNvPr id="50" name="직선 화살표 연결선 49">
+            <a:extLst>
+              <a:ext uri="{FF2B5EF4-FFF2-40B4-BE49-F238E27FC236}">
+                <a16:creationId xmlns:a16="http://schemas.microsoft.com/office/drawing/2014/main" id="{BFDFC6DA-8F40-4FE4-8761-C2F5D0A93E38}"/>
+              </a:ext>
+            </a:extLst>
+          </p:cNvPr>
+          <p:cNvCxnSpPr>
+            <a:stCxn id="12" idx="3"/>
+            <a:endCxn id="25" idx="1"/>
+          </p:cNvCxnSpPr>
+          <p:nvPr/>
+        </p:nvCxnSpPr>
+        <p:spPr>
+          <a:xfrm>
+            <a:off x="7374826" y="1517787"/>
+            <a:ext cx="1343685" cy="621403"/>
+          </a:xfrm>
+          <a:prstGeom prst="straightConnector1">
+            <a:avLst/>
+          </a:prstGeom>
+          <a:ln>
+            <a:tailEnd type="triangle"/>
+          </a:ln>
+        </p:spPr>
+        <p:style>
+          <a:lnRef idx="1">
+            <a:schemeClr val="accent1"/>
+          </a:lnRef>
+          <a:fillRef idx="0">
+            <a:schemeClr val="accent1"/>
+          </a:fillRef>
+          <a:effectRef idx="0">
+            <a:schemeClr val="accent1"/>
+          </a:effectRef>
+          <a:fontRef idx="minor">
+            <a:schemeClr val="tx1"/>
+          </a:fontRef>
+        </p:style>
+      </p:cxnSp>
+      <p:cxnSp>
+        <p:nvCxnSpPr>
+          <p:cNvPr id="76" name="직선 화살표 연결선 75">
+            <a:extLst>
+              <a:ext uri="{FF2B5EF4-FFF2-40B4-BE49-F238E27FC236}">
+                <a16:creationId xmlns:a16="http://schemas.microsoft.com/office/drawing/2014/main" id="{53F1BCA1-652A-4890-BD85-C5F7CBE65434}"/>
+              </a:ext>
+            </a:extLst>
+          </p:cNvPr>
+          <p:cNvCxnSpPr>
+            <a:cxnSpLocks/>
+            <a:stCxn id="28" idx="3"/>
+            <a:endCxn id="88" idx="1"/>
+          </p:cNvCxnSpPr>
+          <p:nvPr/>
+        </p:nvCxnSpPr>
+        <p:spPr>
+          <a:xfrm>
+            <a:off x="2610403" y="1862053"/>
+            <a:ext cx="2769369" cy="3277199"/>
+          </a:xfrm>
+          <a:prstGeom prst="straightConnector1">
+            <a:avLst/>
+          </a:prstGeom>
+          <a:ln>
+            <a:tailEnd type="triangle"/>
+          </a:ln>
+        </p:spPr>
+        <p:style>
+          <a:lnRef idx="1">
+            <a:schemeClr val="accent1"/>
+          </a:lnRef>
+          <a:fillRef idx="0">
+            <a:schemeClr val="accent1"/>
+          </a:fillRef>
+          <a:effectRef idx="0">
+            <a:schemeClr val="accent1"/>
+          </a:effectRef>
+          <a:fontRef idx="minor">
+            <a:schemeClr val="tx1"/>
+          </a:fontRef>
+        </p:style>
+      </p:cxnSp>
+      <p:sp>
+        <p:nvSpPr>
+          <p:cNvPr id="83" name="직사각형 82">
+            <a:extLst>
+              <a:ext uri="{FF2B5EF4-FFF2-40B4-BE49-F238E27FC236}">
+                <a16:creationId xmlns:a16="http://schemas.microsoft.com/office/drawing/2014/main" id="{9A2724CE-EA31-4B2A-93B3-3F8462B962A8}"/>
+              </a:ext>
+            </a:extLst>
+          </p:cNvPr>
+          <p:cNvSpPr/>
+          <p:nvPr/>
+        </p:nvSpPr>
+        <p:spPr>
+          <a:xfrm>
+            <a:off x="-57673" y="-43756"/>
+            <a:ext cx="1727200" cy="612782"/>
+          </a:xfrm>
+          <a:prstGeom prst="rect">
+            <a:avLst/>
+          </a:prstGeom>
+        </p:spPr>
+        <p:style>
+          <a:lnRef idx="2">
+            <a:schemeClr val="dk1"/>
+          </a:lnRef>
+          <a:fillRef idx="1">
+            <a:schemeClr val="lt1"/>
+          </a:fillRef>
+          <a:effectRef idx="0">
+            <a:schemeClr val="dk1"/>
+          </a:effectRef>
+          <a:fontRef idx="minor">
+            <a:schemeClr val="dk1"/>
+          </a:fontRef>
+        </p:style>
+        <p:txBody>
+          <a:bodyPr rtlCol="0" anchor="ctr"/>
+          <a:lstStyle/>
+          <a:p>
+            <a:pPr algn="ctr"/>
+            <a:r>
+              <a:rPr lang="ko-KR" altLang="en-US" dirty="0"/>
+              <a:t>모임 세부 화면</a:t>
+            </a:r>
+          </a:p>
+        </p:txBody>
+      </p:sp>
       <p:grpSp>
         <p:nvGrpSpPr>
-          <p:cNvPr id="48" name="그룹 47">
+          <p:cNvPr id="105" name="그룹 104">
             <a:extLst>
               <a:ext uri="{FF2B5EF4-FFF2-40B4-BE49-F238E27FC236}">
-                <a16:creationId xmlns:a16="http://schemas.microsoft.com/office/drawing/2014/main" id="{BF349BEE-30AE-47B1-BD7F-8BE76AF4F6EA}"/>
+                <a16:creationId xmlns:a16="http://schemas.microsoft.com/office/drawing/2014/main" id="{457F16F5-7808-4C50-AE80-DB699DEBDD5E}"/>
               </a:ext>
             </a:extLst>
           </p:cNvPr>
@@ -5505,10 +5694,10 @@
         </p:nvGrpSpPr>
         <p:grpSpPr>
           <a:xfrm>
-            <a:off x="5379772" y="45720"/>
-            <a:ext cx="2019992" cy="3383280"/>
-            <a:chOff x="3940439" y="1271849"/>
-            <a:chExt cx="2019992" cy="3383280"/>
+            <a:off x="5379772" y="39370"/>
+            <a:ext cx="2019992" cy="3376930"/>
+            <a:chOff x="5379772" y="52070"/>
+            <a:chExt cx="2019992" cy="3376930"/>
           </a:xfrm>
         </p:grpSpPr>
         <p:sp>
@@ -5519,7 +5708,7 @@
           </p:nvSpPr>
           <p:spPr>
             <a:xfrm>
-              <a:off x="3940439" y="1280162"/>
+              <a:off x="5379772" y="54033"/>
               <a:ext cx="2019992" cy="3374967"/>
             </a:xfrm>
             <a:prstGeom prst="rect">
@@ -5562,7 +5751,7 @@
           </p:nvSpPr>
           <p:spPr>
             <a:xfrm>
-              <a:off x="3940439" y="2509313"/>
+              <a:off x="5379772" y="1283184"/>
               <a:ext cx="2019992" cy="432262"/>
             </a:xfrm>
             <a:prstGeom prst="rect">
@@ -5624,7 +5813,7 @@
           </p:nvSpPr>
           <p:spPr>
             <a:xfrm>
-              <a:off x="3940439" y="1271849"/>
+              <a:off x="5379772" y="52070"/>
               <a:ext cx="2019992" cy="365760"/>
             </a:xfrm>
             <a:prstGeom prst="rect">
@@ -5671,8 +5860,8 @@
           </p:nvSpPr>
           <p:spPr>
             <a:xfrm>
-              <a:off x="5270475" y="1271849"/>
-              <a:ext cx="689956" cy="365760"/>
+              <a:off x="6540473" y="55245"/>
+              <a:ext cx="424770" cy="365760"/>
             </a:xfrm>
             <a:prstGeom prst="rect">
               <a:avLst/>
@@ -5700,7 +5889,7 @@
             <a:p>
               <a:pPr algn="ctr"/>
               <a:r>
-                <a:rPr lang="ko-KR" altLang="en-US" dirty="0"/>
+                <a:rPr lang="ko-KR" altLang="en-US" sz="1050" dirty="0"/>
                 <a:t>수정</a:t>
               </a:r>
             </a:p>
@@ -5714,7 +5903,7 @@
           </p:nvSpPr>
           <p:spPr>
             <a:xfrm>
-              <a:off x="3940439" y="2941575"/>
+              <a:off x="5379772" y="1715446"/>
               <a:ext cx="2019992" cy="432262"/>
             </a:xfrm>
             <a:prstGeom prst="rect">
@@ -5776,7 +5965,7 @@
           </p:nvSpPr>
           <p:spPr>
             <a:xfrm>
-              <a:off x="3940439" y="3357210"/>
+              <a:off x="5379772" y="2131081"/>
               <a:ext cx="2019992" cy="432262"/>
             </a:xfrm>
             <a:prstGeom prst="rect">
@@ -5838,7 +6027,7 @@
           </p:nvSpPr>
           <p:spPr>
             <a:xfrm>
-              <a:off x="3940439" y="1645922"/>
+              <a:off x="5379772" y="419793"/>
               <a:ext cx="2019992" cy="432262"/>
             </a:xfrm>
             <a:prstGeom prst="rect">
@@ -5892,7 +6081,7 @@
           </p:nvSpPr>
           <p:spPr>
             <a:xfrm>
-              <a:off x="5270475" y="2584127"/>
+              <a:off x="6709808" y="1357998"/>
               <a:ext cx="665018" cy="344978"/>
             </a:xfrm>
             <a:prstGeom prst="rect">
@@ -5935,7 +6124,7 @@
           </p:nvSpPr>
           <p:spPr>
             <a:xfrm>
-              <a:off x="5270475" y="2999762"/>
+              <a:off x="6709808" y="1773633"/>
               <a:ext cx="665018" cy="344978"/>
             </a:xfrm>
             <a:prstGeom prst="rect">
@@ -5978,7 +6167,7 @@
           </p:nvSpPr>
           <p:spPr>
             <a:xfrm>
-              <a:off x="5270475" y="3444494"/>
+              <a:off x="6709808" y="2218365"/>
               <a:ext cx="665018" cy="344978"/>
             </a:xfrm>
             <a:prstGeom prst="rect">
@@ -6027,7 +6216,7 @@
           </p:nvSpPr>
           <p:spPr>
             <a:xfrm>
-              <a:off x="3940439" y="2072126"/>
+              <a:off x="5379772" y="845997"/>
               <a:ext cx="2019992" cy="432262"/>
             </a:xfrm>
             <a:prstGeom prst="rect">
@@ -6076,13 +6265,62 @@
             </a:p>
           </p:txBody>
         </p:sp>
+        <p:sp>
+          <p:nvSpPr>
+            <p:cNvPr id="84" name="직사각형 83">
+              <a:extLst>
+                <a:ext uri="{FF2B5EF4-FFF2-40B4-BE49-F238E27FC236}">
+                  <a16:creationId xmlns:a16="http://schemas.microsoft.com/office/drawing/2014/main" id="{C871954D-DF4A-46AE-BA28-4D59800C3C09}"/>
+                </a:ext>
+              </a:extLst>
+            </p:cNvPr>
+            <p:cNvSpPr/>
+            <p:nvPr/>
+          </p:nvSpPr>
+          <p:spPr>
+            <a:xfrm>
+              <a:off x="6965243" y="55533"/>
+              <a:ext cx="424770" cy="365760"/>
+            </a:xfrm>
+            <a:prstGeom prst="rect">
+              <a:avLst/>
+            </a:prstGeom>
+          </p:spPr>
+          <p:style>
+            <a:lnRef idx="2">
+              <a:schemeClr val="accent1">
+                <a:shade val="50000"/>
+              </a:schemeClr>
+            </a:lnRef>
+            <a:fillRef idx="1">
+              <a:schemeClr val="accent1"/>
+            </a:fillRef>
+            <a:effectRef idx="0">
+              <a:schemeClr val="accent1"/>
+            </a:effectRef>
+            <a:fontRef idx="minor">
+              <a:schemeClr val="lt1"/>
+            </a:fontRef>
+          </p:style>
+          <p:txBody>
+            <a:bodyPr rtlCol="0" anchor="ctr"/>
+            <a:lstStyle/>
+            <a:p>
+              <a:pPr algn="ctr"/>
+              <a:r>
+                <a:rPr lang="ko-KR" altLang="en-US" sz="1050" dirty="0"/>
+                <a:t>삭제</a:t>
+              </a:r>
+            </a:p>
+          </p:txBody>
+        </p:sp>
       </p:grpSp>
       <p:grpSp>
         <p:nvGrpSpPr>
-          <p:cNvPr id="82" name="그룹 81">
+          <p:cNvPr id="106" name="그룹 105">
             <a:extLst>
               <a:ext uri="{FF2B5EF4-FFF2-40B4-BE49-F238E27FC236}">
-                <a16:creationId xmlns:a16="http://schemas.microsoft.com/office/drawing/2014/main" id="{2A54D318-41E6-44ED-9A79-337C57E1ABF5}"/>
+                <a16:creationId xmlns:a16="http://schemas.microsoft.com/office/drawing/2014/main" id="{226B0CBC-FAB4-41C6-BC32-0A865873CE83}"/>
               </a:ext>
             </a:extLst>
           </p:cNvPr>
@@ -6091,10 +6329,422 @@
         </p:nvGrpSpPr>
         <p:grpSpPr>
           <a:xfrm>
-            <a:off x="8713995" y="45720"/>
-            <a:ext cx="2024508" cy="3383280"/>
-            <a:chOff x="8713995" y="45720"/>
-            <a:chExt cx="2024508" cy="3383280"/>
+            <a:off x="5379772" y="3443455"/>
+            <a:ext cx="2019992" cy="3383280"/>
+            <a:chOff x="5379772" y="3468855"/>
+            <a:chExt cx="2019992" cy="3383280"/>
+          </a:xfrm>
+        </p:grpSpPr>
+        <p:sp>
+          <p:nvSpPr>
+            <p:cNvPr id="88" name="직사각형 87">
+              <a:extLst>
+                <a:ext uri="{FF2B5EF4-FFF2-40B4-BE49-F238E27FC236}">
+                  <a16:creationId xmlns:a16="http://schemas.microsoft.com/office/drawing/2014/main" id="{35D60ED6-A5C3-42FD-9D18-C115E00A21BB}"/>
+                </a:ext>
+              </a:extLst>
+            </p:cNvPr>
+            <p:cNvSpPr/>
+            <p:nvPr/>
+          </p:nvSpPr>
+          <p:spPr>
+            <a:xfrm>
+              <a:off x="5379772" y="3477168"/>
+              <a:ext cx="2019992" cy="3374967"/>
+            </a:xfrm>
+            <a:prstGeom prst="rect">
+              <a:avLst/>
+            </a:prstGeom>
+            <a:solidFill>
+              <a:schemeClr val="bg1"/>
+            </a:solidFill>
+          </p:spPr>
+          <p:style>
+            <a:lnRef idx="2">
+              <a:schemeClr val="accent1">
+                <a:shade val="50000"/>
+              </a:schemeClr>
+            </a:lnRef>
+            <a:fillRef idx="1">
+              <a:schemeClr val="accent1"/>
+            </a:fillRef>
+            <a:effectRef idx="0">
+              <a:schemeClr val="accent1"/>
+            </a:effectRef>
+            <a:fontRef idx="minor">
+              <a:schemeClr val="lt1"/>
+            </a:fontRef>
+          </p:style>
+          <p:txBody>
+            <a:bodyPr rtlCol="0" anchor="ctr"/>
+            <a:lstStyle/>
+            <a:p>
+              <a:pPr algn="ctr"/>
+              <a:endParaRPr lang="ko-KR" altLang="en-US"/>
+            </a:p>
+          </p:txBody>
+        </p:sp>
+        <p:sp>
+          <p:nvSpPr>
+            <p:cNvPr id="89" name="직사각형 88">
+              <a:extLst>
+                <a:ext uri="{FF2B5EF4-FFF2-40B4-BE49-F238E27FC236}">
+                  <a16:creationId xmlns:a16="http://schemas.microsoft.com/office/drawing/2014/main" id="{5399EFEE-5AC4-426D-A6B0-C7FD4276D3EB}"/>
+                </a:ext>
+              </a:extLst>
+            </p:cNvPr>
+            <p:cNvSpPr/>
+            <p:nvPr/>
+          </p:nvSpPr>
+          <p:spPr>
+            <a:xfrm>
+              <a:off x="5379772" y="4706319"/>
+              <a:ext cx="2019992" cy="432262"/>
+            </a:xfrm>
+            <a:prstGeom prst="rect">
+              <a:avLst/>
+            </a:prstGeom>
+            <a:solidFill>
+              <a:schemeClr val="bg1"/>
+            </a:solidFill>
+          </p:spPr>
+          <p:style>
+            <a:lnRef idx="2">
+              <a:schemeClr val="accent1">
+                <a:shade val="50000"/>
+              </a:schemeClr>
+            </a:lnRef>
+            <a:fillRef idx="1">
+              <a:schemeClr val="accent1"/>
+            </a:fillRef>
+            <a:effectRef idx="0">
+              <a:schemeClr val="accent1"/>
+            </a:effectRef>
+            <a:fontRef idx="minor">
+              <a:schemeClr val="lt1"/>
+            </a:fontRef>
+          </p:style>
+          <p:txBody>
+            <a:bodyPr rtlCol="0" anchor="ctr"/>
+            <a:lstStyle/>
+            <a:p>
+              <a:r>
+                <a:rPr lang="ko-KR" altLang="en-US" sz="1200" dirty="0">
+                  <a:solidFill>
+                    <a:schemeClr val="tx1"/>
+                  </a:solidFill>
+                </a:rPr>
+                <a:t>소속된 인원이 없습니다</a:t>
+              </a:r>
+              <a:r>
+                <a:rPr lang="en-US" altLang="ko-KR" sz="1200" dirty="0">
+                  <a:solidFill>
+                    <a:schemeClr val="tx1"/>
+                  </a:solidFill>
+                </a:rPr>
+                <a:t>.</a:t>
+              </a:r>
+              <a:endParaRPr lang="ko-KR" altLang="en-US" sz="1200" dirty="0">
+                <a:solidFill>
+                  <a:schemeClr val="tx1"/>
+                </a:solidFill>
+              </a:endParaRPr>
+            </a:p>
+          </p:txBody>
+        </p:sp>
+        <p:sp>
+          <p:nvSpPr>
+            <p:cNvPr id="90" name="직사각형 89">
+              <a:extLst>
+                <a:ext uri="{FF2B5EF4-FFF2-40B4-BE49-F238E27FC236}">
+                  <a16:creationId xmlns:a16="http://schemas.microsoft.com/office/drawing/2014/main" id="{E3AEF3AA-4959-4BC7-8CED-516D04F6AF94}"/>
+                </a:ext>
+              </a:extLst>
+            </p:cNvPr>
+            <p:cNvSpPr/>
+            <p:nvPr/>
+          </p:nvSpPr>
+          <p:spPr>
+            <a:xfrm>
+              <a:off x="5379772" y="3468855"/>
+              <a:ext cx="2019992" cy="365760"/>
+            </a:xfrm>
+            <a:prstGeom prst="rect">
+              <a:avLst/>
+            </a:prstGeom>
+          </p:spPr>
+          <p:style>
+            <a:lnRef idx="2">
+              <a:schemeClr val="accent1">
+                <a:shade val="50000"/>
+              </a:schemeClr>
+            </a:lnRef>
+            <a:fillRef idx="1">
+              <a:schemeClr val="accent1"/>
+            </a:fillRef>
+            <a:effectRef idx="0">
+              <a:schemeClr val="accent1"/>
+            </a:effectRef>
+            <a:fontRef idx="minor">
+              <a:schemeClr val="lt1"/>
+            </a:fontRef>
+          </p:style>
+          <p:txBody>
+            <a:bodyPr rtlCol="0" anchor="ctr"/>
+            <a:lstStyle/>
+            <a:p>
+              <a:r>
+                <a:rPr lang="ko-KR" altLang="en-US" dirty="0"/>
+                <a:t>그룹</a:t>
+              </a:r>
+              <a:r>
+                <a:rPr lang="en-US" altLang="ko-KR" dirty="0"/>
+                <a:t>1</a:t>
+              </a:r>
+              <a:endParaRPr lang="ko-KR" altLang="en-US" dirty="0"/>
+            </a:p>
+          </p:txBody>
+        </p:sp>
+        <p:sp>
+          <p:nvSpPr>
+            <p:cNvPr id="91" name="직사각형 90">
+              <a:extLst>
+                <a:ext uri="{FF2B5EF4-FFF2-40B4-BE49-F238E27FC236}">
+                  <a16:creationId xmlns:a16="http://schemas.microsoft.com/office/drawing/2014/main" id="{C30CE29A-CF83-4850-A819-A857B2778624}"/>
+                </a:ext>
+              </a:extLst>
+            </p:cNvPr>
+            <p:cNvSpPr/>
+            <p:nvPr/>
+          </p:nvSpPr>
+          <p:spPr>
+            <a:xfrm>
+              <a:off x="6540473" y="3468855"/>
+              <a:ext cx="424770" cy="365760"/>
+            </a:xfrm>
+            <a:prstGeom prst="rect">
+              <a:avLst/>
+            </a:prstGeom>
+          </p:spPr>
+          <p:style>
+            <a:lnRef idx="2">
+              <a:schemeClr val="accent1">
+                <a:shade val="50000"/>
+              </a:schemeClr>
+            </a:lnRef>
+            <a:fillRef idx="1">
+              <a:schemeClr val="accent1"/>
+            </a:fillRef>
+            <a:effectRef idx="0">
+              <a:schemeClr val="accent1"/>
+            </a:effectRef>
+            <a:fontRef idx="minor">
+              <a:schemeClr val="lt1"/>
+            </a:fontRef>
+          </p:style>
+          <p:txBody>
+            <a:bodyPr rtlCol="0" anchor="ctr"/>
+            <a:lstStyle/>
+            <a:p>
+              <a:pPr algn="ctr"/>
+              <a:r>
+                <a:rPr lang="ko-KR" altLang="en-US" sz="1050" dirty="0"/>
+                <a:t>수정</a:t>
+              </a:r>
+            </a:p>
+          </p:txBody>
+        </p:sp>
+        <p:sp>
+          <p:nvSpPr>
+            <p:cNvPr id="94" name="직사각형 93">
+              <a:extLst>
+                <a:ext uri="{FF2B5EF4-FFF2-40B4-BE49-F238E27FC236}">
+                  <a16:creationId xmlns:a16="http://schemas.microsoft.com/office/drawing/2014/main" id="{E1D01E16-7BBD-4D96-A2F3-189D19A1A18D}"/>
+                </a:ext>
+              </a:extLst>
+            </p:cNvPr>
+            <p:cNvSpPr/>
+            <p:nvPr/>
+          </p:nvSpPr>
+          <p:spPr>
+            <a:xfrm>
+              <a:off x="5379772" y="3842928"/>
+              <a:ext cx="2019992" cy="432262"/>
+            </a:xfrm>
+            <a:prstGeom prst="rect">
+              <a:avLst/>
+            </a:prstGeom>
+            <a:solidFill>
+              <a:schemeClr val="bg1"/>
+            </a:solidFill>
+          </p:spPr>
+          <p:style>
+            <a:lnRef idx="2">
+              <a:schemeClr val="accent1">
+                <a:shade val="50000"/>
+              </a:schemeClr>
+            </a:lnRef>
+            <a:fillRef idx="1">
+              <a:schemeClr val="accent1"/>
+            </a:fillRef>
+            <a:effectRef idx="0">
+              <a:schemeClr val="accent1"/>
+            </a:effectRef>
+            <a:fontRef idx="minor">
+              <a:schemeClr val="lt1"/>
+            </a:fontRef>
+          </p:style>
+          <p:txBody>
+            <a:bodyPr rtlCol="0" anchor="ctr"/>
+            <a:lstStyle/>
+            <a:p>
+              <a:r>
+                <a:rPr lang="en-US" altLang="ko-KR" dirty="0">
+                  <a:solidFill>
+                    <a:schemeClr val="tx1"/>
+                  </a:solidFill>
+                </a:rPr>
+                <a:t>           --------\</a:t>
+              </a:r>
+              <a:endParaRPr lang="ko-KR" altLang="en-US" dirty="0">
+                <a:solidFill>
+                  <a:schemeClr val="tx1"/>
+                </a:solidFill>
+              </a:endParaRPr>
+            </a:p>
+          </p:txBody>
+        </p:sp>
+        <p:sp>
+          <p:nvSpPr>
+            <p:cNvPr id="98" name="직사각형 97">
+              <a:extLst>
+                <a:ext uri="{FF2B5EF4-FFF2-40B4-BE49-F238E27FC236}">
+                  <a16:creationId xmlns:a16="http://schemas.microsoft.com/office/drawing/2014/main" id="{D21267C9-99A7-4B3A-81BB-6A79E0F98A0C}"/>
+                </a:ext>
+              </a:extLst>
+            </p:cNvPr>
+            <p:cNvSpPr/>
+            <p:nvPr/>
+          </p:nvSpPr>
+          <p:spPr>
+            <a:xfrm>
+              <a:off x="5379772" y="4269132"/>
+              <a:ext cx="2019992" cy="432262"/>
+            </a:xfrm>
+            <a:prstGeom prst="rect">
+              <a:avLst/>
+            </a:prstGeom>
+            <a:solidFill>
+              <a:schemeClr val="bg1"/>
+            </a:solidFill>
+          </p:spPr>
+          <p:style>
+            <a:lnRef idx="2">
+              <a:schemeClr val="accent1">
+                <a:shade val="50000"/>
+              </a:schemeClr>
+            </a:lnRef>
+            <a:fillRef idx="1">
+              <a:schemeClr val="accent1"/>
+            </a:fillRef>
+            <a:effectRef idx="0">
+              <a:schemeClr val="accent1"/>
+            </a:effectRef>
+            <a:fontRef idx="minor">
+              <a:schemeClr val="lt1"/>
+            </a:fontRef>
+          </p:style>
+          <p:txBody>
+            <a:bodyPr rtlCol="0" anchor="ctr"/>
+            <a:lstStyle/>
+            <a:p>
+              <a:r>
+                <a:rPr lang="en-US" altLang="ko-KR" dirty="0">
+                  <a:solidFill>
+                    <a:schemeClr val="tx1"/>
+                  </a:solidFill>
+                </a:rPr>
+                <a:t>  </a:t>
+              </a:r>
+              <a:r>
+                <a:rPr lang="ko-KR" altLang="en-US" dirty="0">
+                  <a:solidFill>
+                    <a:schemeClr val="tx1"/>
+                  </a:solidFill>
+                </a:rPr>
+                <a:t>모임 소속 인원</a:t>
+              </a:r>
+            </a:p>
+          </p:txBody>
+        </p:sp>
+        <p:sp>
+          <p:nvSpPr>
+            <p:cNvPr id="99" name="직사각형 98">
+              <a:extLst>
+                <a:ext uri="{FF2B5EF4-FFF2-40B4-BE49-F238E27FC236}">
+                  <a16:creationId xmlns:a16="http://schemas.microsoft.com/office/drawing/2014/main" id="{845A88C4-CBEF-45FC-AE18-32F71402B746}"/>
+                </a:ext>
+              </a:extLst>
+            </p:cNvPr>
+            <p:cNvSpPr/>
+            <p:nvPr/>
+          </p:nvSpPr>
+          <p:spPr>
+            <a:xfrm>
+              <a:off x="6965243" y="3471048"/>
+              <a:ext cx="424770" cy="365760"/>
+            </a:xfrm>
+            <a:prstGeom prst="rect">
+              <a:avLst/>
+            </a:prstGeom>
+          </p:spPr>
+          <p:style>
+            <a:lnRef idx="2">
+              <a:schemeClr val="accent1">
+                <a:shade val="50000"/>
+              </a:schemeClr>
+            </a:lnRef>
+            <a:fillRef idx="1">
+              <a:schemeClr val="accent1"/>
+            </a:fillRef>
+            <a:effectRef idx="0">
+              <a:schemeClr val="accent1"/>
+            </a:effectRef>
+            <a:fontRef idx="minor">
+              <a:schemeClr val="lt1"/>
+            </a:fontRef>
+          </p:style>
+          <p:txBody>
+            <a:bodyPr rtlCol="0" anchor="ctr"/>
+            <a:lstStyle/>
+            <a:p>
+              <a:pPr algn="ctr"/>
+              <a:r>
+                <a:rPr lang="ko-KR" altLang="en-US" sz="1050" dirty="0"/>
+                <a:t>삭제</a:t>
+              </a:r>
+            </a:p>
+          </p:txBody>
+        </p:sp>
+      </p:grpSp>
+      <p:grpSp>
+        <p:nvGrpSpPr>
+          <p:cNvPr id="104" name="그룹 103">
+            <a:extLst>
+              <a:ext uri="{FF2B5EF4-FFF2-40B4-BE49-F238E27FC236}">
+                <a16:creationId xmlns:a16="http://schemas.microsoft.com/office/drawing/2014/main" id="{A301996A-719A-4FF0-842C-8E1694BCAA24}"/>
+              </a:ext>
+            </a:extLst>
+          </p:cNvPr>
+          <p:cNvGrpSpPr/>
+          <p:nvPr/>
+        </p:nvGrpSpPr>
+        <p:grpSpPr>
+          <a:xfrm>
+            <a:off x="8713995" y="48895"/>
+            <a:ext cx="2024508" cy="3380105"/>
+            <a:chOff x="8713995" y="48895"/>
+            <a:chExt cx="2024508" cy="3380105"/>
           </a:xfrm>
         </p:grpSpPr>
         <p:sp>
@@ -6216,108 +6866,6 @@
         </p:sp>
         <p:sp>
           <p:nvSpPr>
-            <p:cNvPr id="38" name="직사각형 37">
-              <a:extLst>
-                <a:ext uri="{FF2B5EF4-FFF2-40B4-BE49-F238E27FC236}">
-                  <a16:creationId xmlns:a16="http://schemas.microsoft.com/office/drawing/2014/main" id="{A3D28425-7F0B-4467-A24A-1260720FCB65}"/>
-                </a:ext>
-              </a:extLst>
-            </p:cNvPr>
-            <p:cNvSpPr/>
-            <p:nvPr/>
-          </p:nvSpPr>
-          <p:spPr>
-            <a:xfrm>
-              <a:off x="8713995" y="45720"/>
-              <a:ext cx="2019992" cy="365760"/>
-            </a:xfrm>
-            <a:prstGeom prst="rect">
-              <a:avLst/>
-            </a:prstGeom>
-          </p:spPr>
-          <p:style>
-            <a:lnRef idx="2">
-              <a:schemeClr val="accent1">
-                <a:shade val="50000"/>
-              </a:schemeClr>
-            </a:lnRef>
-            <a:fillRef idx="1">
-              <a:schemeClr val="accent1"/>
-            </a:fillRef>
-            <a:effectRef idx="0">
-              <a:schemeClr val="accent1"/>
-            </a:effectRef>
-            <a:fontRef idx="minor">
-              <a:schemeClr val="lt1"/>
-            </a:fontRef>
-          </p:style>
-          <p:txBody>
-            <a:bodyPr rtlCol="0" anchor="ctr"/>
-            <a:lstStyle/>
-            <a:p>
-              <a:r>
-                <a:rPr lang="ko-KR" altLang="en-US" dirty="0"/>
-                <a:t>그룹</a:t>
-              </a:r>
-              <a:r>
-                <a:rPr lang="en-US" altLang="ko-KR" dirty="0"/>
-                <a:t>1</a:t>
-              </a:r>
-              <a:endParaRPr lang="ko-KR" altLang="en-US" dirty="0"/>
-            </a:p>
-          </p:txBody>
-        </p:sp>
-        <p:sp>
-          <p:nvSpPr>
-            <p:cNvPr id="39" name="직사각형 38">
-              <a:extLst>
-                <a:ext uri="{FF2B5EF4-FFF2-40B4-BE49-F238E27FC236}">
-                  <a16:creationId xmlns:a16="http://schemas.microsoft.com/office/drawing/2014/main" id="{CF5A1A72-192B-46E8-AF04-5019B7F60014}"/>
-                </a:ext>
-              </a:extLst>
-            </p:cNvPr>
-            <p:cNvSpPr/>
-            <p:nvPr/>
-          </p:nvSpPr>
-          <p:spPr>
-            <a:xfrm>
-              <a:off x="10044031" y="45720"/>
-              <a:ext cx="689956" cy="365760"/>
-            </a:xfrm>
-            <a:prstGeom prst="rect">
-              <a:avLst/>
-            </a:prstGeom>
-          </p:spPr>
-          <p:style>
-            <a:lnRef idx="2">
-              <a:schemeClr val="accent1">
-                <a:shade val="50000"/>
-              </a:schemeClr>
-            </a:lnRef>
-            <a:fillRef idx="1">
-              <a:schemeClr val="accent1"/>
-            </a:fillRef>
-            <a:effectRef idx="0">
-              <a:schemeClr val="accent1"/>
-            </a:effectRef>
-            <a:fontRef idx="minor">
-              <a:schemeClr val="lt1"/>
-            </a:fontRef>
-          </p:style>
-          <p:txBody>
-            <a:bodyPr rtlCol="0" anchor="ctr"/>
-            <a:lstStyle/>
-            <a:p>
-              <a:pPr algn="ctr"/>
-              <a:r>
-                <a:rPr lang="ko-KR" altLang="en-US" dirty="0"/>
-                <a:t>수정</a:t>
-              </a:r>
-            </a:p>
-          </p:txBody>
-        </p:sp>
-        <p:sp>
-          <p:nvSpPr>
             <p:cNvPr id="40" name="직사각형 39">
               <a:extLst>
                 <a:ext uri="{FF2B5EF4-FFF2-40B4-BE49-F238E27FC236}">
@@ -6820,433 +7368,158 @@
             </a:p>
           </p:txBody>
         </p:sp>
+        <p:sp>
+          <p:nvSpPr>
+            <p:cNvPr id="101" name="직사각형 100">
+              <a:extLst>
+                <a:ext uri="{FF2B5EF4-FFF2-40B4-BE49-F238E27FC236}">
+                  <a16:creationId xmlns:a16="http://schemas.microsoft.com/office/drawing/2014/main" id="{5BD1B3D5-126D-43FE-9633-FCFAC313635D}"/>
+                </a:ext>
+              </a:extLst>
+            </p:cNvPr>
+            <p:cNvSpPr/>
+            <p:nvPr/>
+          </p:nvSpPr>
+          <p:spPr>
+            <a:xfrm>
+              <a:off x="8713995" y="48895"/>
+              <a:ext cx="2019992" cy="365760"/>
+            </a:xfrm>
+            <a:prstGeom prst="rect">
+              <a:avLst/>
+            </a:prstGeom>
+          </p:spPr>
+          <p:style>
+            <a:lnRef idx="2">
+              <a:schemeClr val="accent1">
+                <a:shade val="50000"/>
+              </a:schemeClr>
+            </a:lnRef>
+            <a:fillRef idx="1">
+              <a:schemeClr val="accent1"/>
+            </a:fillRef>
+            <a:effectRef idx="0">
+              <a:schemeClr val="accent1"/>
+            </a:effectRef>
+            <a:fontRef idx="minor">
+              <a:schemeClr val="lt1"/>
+            </a:fontRef>
+          </p:style>
+          <p:txBody>
+            <a:bodyPr rtlCol="0" anchor="ctr"/>
+            <a:lstStyle/>
+            <a:p>
+              <a:r>
+                <a:rPr lang="ko-KR" altLang="en-US" dirty="0"/>
+                <a:t>그룹</a:t>
+              </a:r>
+              <a:r>
+                <a:rPr lang="en-US" altLang="ko-KR" dirty="0"/>
+                <a:t>1</a:t>
+              </a:r>
+              <a:endParaRPr lang="ko-KR" altLang="en-US" dirty="0"/>
+            </a:p>
+          </p:txBody>
+        </p:sp>
+        <p:sp>
+          <p:nvSpPr>
+            <p:cNvPr id="102" name="직사각형 101">
+              <a:extLst>
+                <a:ext uri="{FF2B5EF4-FFF2-40B4-BE49-F238E27FC236}">
+                  <a16:creationId xmlns:a16="http://schemas.microsoft.com/office/drawing/2014/main" id="{9BB3D8C8-FCC0-4696-8AF4-5655D7045EBD}"/>
+                </a:ext>
+              </a:extLst>
+            </p:cNvPr>
+            <p:cNvSpPr/>
+            <p:nvPr/>
+          </p:nvSpPr>
+          <p:spPr>
+            <a:xfrm>
+              <a:off x="9874696" y="52070"/>
+              <a:ext cx="424770" cy="365760"/>
+            </a:xfrm>
+            <a:prstGeom prst="rect">
+              <a:avLst/>
+            </a:prstGeom>
+          </p:spPr>
+          <p:style>
+            <a:lnRef idx="2">
+              <a:schemeClr val="accent1">
+                <a:shade val="50000"/>
+              </a:schemeClr>
+            </a:lnRef>
+            <a:fillRef idx="1">
+              <a:schemeClr val="accent1"/>
+            </a:fillRef>
+            <a:effectRef idx="0">
+              <a:schemeClr val="accent1"/>
+            </a:effectRef>
+            <a:fontRef idx="minor">
+              <a:schemeClr val="lt1"/>
+            </a:fontRef>
+          </p:style>
+          <p:txBody>
+            <a:bodyPr rtlCol="0" anchor="ctr"/>
+            <a:lstStyle/>
+            <a:p>
+              <a:pPr algn="ctr"/>
+              <a:r>
+                <a:rPr lang="ko-KR" altLang="en-US" sz="1050" dirty="0"/>
+                <a:t>수정</a:t>
+              </a:r>
+            </a:p>
+          </p:txBody>
+        </p:sp>
+        <p:sp>
+          <p:nvSpPr>
+            <p:cNvPr id="103" name="직사각형 102">
+              <a:extLst>
+                <a:ext uri="{FF2B5EF4-FFF2-40B4-BE49-F238E27FC236}">
+                  <a16:creationId xmlns:a16="http://schemas.microsoft.com/office/drawing/2014/main" id="{F4183FC1-A48D-4959-A0B0-84DF57A6B8E7}"/>
+                </a:ext>
+              </a:extLst>
+            </p:cNvPr>
+            <p:cNvSpPr/>
+            <p:nvPr/>
+          </p:nvSpPr>
+          <p:spPr>
+            <a:xfrm>
+              <a:off x="10299466" y="52358"/>
+              <a:ext cx="424770" cy="365760"/>
+            </a:xfrm>
+            <a:prstGeom prst="rect">
+              <a:avLst/>
+            </a:prstGeom>
+          </p:spPr>
+          <p:style>
+            <a:lnRef idx="2">
+              <a:schemeClr val="accent1">
+                <a:shade val="50000"/>
+              </a:schemeClr>
+            </a:lnRef>
+            <a:fillRef idx="1">
+              <a:schemeClr val="accent1"/>
+            </a:fillRef>
+            <a:effectRef idx="0">
+              <a:schemeClr val="accent1"/>
+            </a:effectRef>
+            <a:fontRef idx="minor">
+              <a:schemeClr val="lt1"/>
+            </a:fontRef>
+          </p:style>
+          <p:txBody>
+            <a:bodyPr rtlCol="0" anchor="ctr"/>
+            <a:lstStyle/>
+            <a:p>
+              <a:pPr algn="ctr"/>
+              <a:r>
+                <a:rPr lang="ko-KR" altLang="en-US" sz="1050" dirty="0"/>
+                <a:t>삭제</a:t>
+              </a:r>
+            </a:p>
+          </p:txBody>
+        </p:sp>
       </p:grpSp>
-      <p:cxnSp>
-        <p:nvCxnSpPr>
-          <p:cNvPr id="50" name="직선 화살표 연결선 49">
-            <a:extLst>
-              <a:ext uri="{FF2B5EF4-FFF2-40B4-BE49-F238E27FC236}">
-                <a16:creationId xmlns:a16="http://schemas.microsoft.com/office/drawing/2014/main" id="{BFDFC6DA-8F40-4FE4-8761-C2F5D0A93E38}"/>
-              </a:ext>
-            </a:extLst>
-          </p:cNvPr>
-          <p:cNvCxnSpPr>
-            <a:stCxn id="12" idx="3"/>
-            <a:endCxn id="25" idx="1"/>
-          </p:cNvCxnSpPr>
-          <p:nvPr/>
-        </p:nvCxnSpPr>
-        <p:spPr>
-          <a:xfrm>
-            <a:off x="7374826" y="1530487"/>
-            <a:ext cx="1343685" cy="608703"/>
-          </a:xfrm>
-          <a:prstGeom prst="straightConnector1">
-            <a:avLst/>
-          </a:prstGeom>
-          <a:ln>
-            <a:tailEnd type="triangle"/>
-          </a:ln>
-        </p:spPr>
-        <p:style>
-          <a:lnRef idx="1">
-            <a:schemeClr val="accent1"/>
-          </a:lnRef>
-          <a:fillRef idx="0">
-            <a:schemeClr val="accent1"/>
-          </a:fillRef>
-          <a:effectRef idx="0">
-            <a:schemeClr val="accent1"/>
-          </a:effectRef>
-          <a:fontRef idx="minor">
-            <a:schemeClr val="tx1"/>
-          </a:fontRef>
-        </p:style>
-      </p:cxnSp>
-      <p:sp>
-        <p:nvSpPr>
-          <p:cNvPr id="52" name="직사각형 51">
-            <a:extLst>
-              <a:ext uri="{FF2B5EF4-FFF2-40B4-BE49-F238E27FC236}">
-                <a16:creationId xmlns:a16="http://schemas.microsoft.com/office/drawing/2014/main" id="{0B7EBD62-4919-4BA5-8296-AB6D71D9CC45}"/>
-              </a:ext>
-            </a:extLst>
-          </p:cNvPr>
-          <p:cNvSpPr/>
-          <p:nvPr/>
-        </p:nvSpPr>
-        <p:spPr>
-          <a:xfrm>
-            <a:off x="5379772" y="3503046"/>
-            <a:ext cx="2019992" cy="3374967"/>
-          </a:xfrm>
-          <a:prstGeom prst="rect">
-            <a:avLst/>
-          </a:prstGeom>
-          <a:solidFill>
-            <a:schemeClr val="bg1"/>
-          </a:solidFill>
-        </p:spPr>
-        <p:style>
-          <a:lnRef idx="2">
-            <a:schemeClr val="accent1">
-              <a:shade val="50000"/>
-            </a:schemeClr>
-          </a:lnRef>
-          <a:fillRef idx="1">
-            <a:schemeClr val="accent1"/>
-          </a:fillRef>
-          <a:effectRef idx="0">
-            <a:schemeClr val="accent1"/>
-          </a:effectRef>
-          <a:fontRef idx="minor">
-            <a:schemeClr val="lt1"/>
-          </a:fontRef>
-        </p:style>
-        <p:txBody>
-          <a:bodyPr rtlCol="0" anchor="ctr"/>
-          <a:lstStyle/>
-          <a:p>
-            <a:pPr algn="ctr"/>
-            <a:endParaRPr lang="ko-KR" altLang="en-US"/>
-          </a:p>
-        </p:txBody>
-      </p:sp>
-      <p:sp>
-        <p:nvSpPr>
-          <p:cNvPr id="53" name="직사각형 52">
-            <a:extLst>
-              <a:ext uri="{FF2B5EF4-FFF2-40B4-BE49-F238E27FC236}">
-                <a16:creationId xmlns:a16="http://schemas.microsoft.com/office/drawing/2014/main" id="{2156A2D6-D2D4-49E3-84B6-96AD75648C22}"/>
-              </a:ext>
-            </a:extLst>
-          </p:cNvPr>
-          <p:cNvSpPr/>
-          <p:nvPr/>
-        </p:nvSpPr>
-        <p:spPr>
-          <a:xfrm>
-            <a:off x="5379772" y="4732197"/>
-            <a:ext cx="2019992" cy="432262"/>
-          </a:xfrm>
-          <a:prstGeom prst="rect">
-            <a:avLst/>
-          </a:prstGeom>
-          <a:solidFill>
-            <a:schemeClr val="bg1"/>
-          </a:solidFill>
-        </p:spPr>
-        <p:style>
-          <a:lnRef idx="2">
-            <a:schemeClr val="accent1">
-              <a:shade val="50000"/>
-            </a:schemeClr>
-          </a:lnRef>
-          <a:fillRef idx="1">
-            <a:schemeClr val="accent1"/>
-          </a:fillRef>
-          <a:effectRef idx="0">
-            <a:schemeClr val="accent1"/>
-          </a:effectRef>
-          <a:fontRef idx="minor">
-            <a:schemeClr val="lt1"/>
-          </a:fontRef>
-        </p:style>
-        <p:txBody>
-          <a:bodyPr rtlCol="0" anchor="ctr"/>
-          <a:lstStyle/>
-          <a:p>
-            <a:r>
-              <a:rPr lang="ko-KR" altLang="en-US" sz="1200" dirty="0">
-                <a:solidFill>
-                  <a:schemeClr val="tx1"/>
-                </a:solidFill>
-              </a:rPr>
-              <a:t>소속된 인원이 없습니다</a:t>
-            </a:r>
-            <a:r>
-              <a:rPr lang="en-US" altLang="ko-KR" sz="1200" dirty="0">
-                <a:solidFill>
-                  <a:schemeClr val="tx1"/>
-                </a:solidFill>
-              </a:rPr>
-              <a:t>.</a:t>
-            </a:r>
-            <a:endParaRPr lang="ko-KR" altLang="en-US" sz="1200" dirty="0">
-              <a:solidFill>
-                <a:schemeClr val="tx1"/>
-              </a:solidFill>
-            </a:endParaRPr>
-          </a:p>
-        </p:txBody>
-      </p:sp>
-      <p:sp>
-        <p:nvSpPr>
-          <p:cNvPr id="54" name="직사각형 53">
-            <a:extLst>
-              <a:ext uri="{FF2B5EF4-FFF2-40B4-BE49-F238E27FC236}">
-                <a16:creationId xmlns:a16="http://schemas.microsoft.com/office/drawing/2014/main" id="{41BF0BCF-A7AF-43DC-8188-69785DD21D76}"/>
-              </a:ext>
-            </a:extLst>
-          </p:cNvPr>
-          <p:cNvSpPr/>
-          <p:nvPr/>
-        </p:nvSpPr>
-        <p:spPr>
-          <a:xfrm>
-            <a:off x="5379772" y="3494733"/>
-            <a:ext cx="2019992" cy="365760"/>
-          </a:xfrm>
-          <a:prstGeom prst="rect">
-            <a:avLst/>
-          </a:prstGeom>
-        </p:spPr>
-        <p:style>
-          <a:lnRef idx="2">
-            <a:schemeClr val="accent1">
-              <a:shade val="50000"/>
-            </a:schemeClr>
-          </a:lnRef>
-          <a:fillRef idx="1">
-            <a:schemeClr val="accent1"/>
-          </a:fillRef>
-          <a:effectRef idx="0">
-            <a:schemeClr val="accent1"/>
-          </a:effectRef>
-          <a:fontRef idx="minor">
-            <a:schemeClr val="lt1"/>
-          </a:fontRef>
-        </p:style>
-        <p:txBody>
-          <a:bodyPr rtlCol="0" anchor="ctr"/>
-          <a:lstStyle/>
-          <a:p>
-            <a:r>
-              <a:rPr lang="ko-KR" altLang="en-US" dirty="0"/>
-              <a:t>그룹</a:t>
-            </a:r>
-            <a:r>
-              <a:rPr lang="en-US" altLang="ko-KR" dirty="0"/>
-              <a:t>1</a:t>
-            </a:r>
-            <a:endParaRPr lang="ko-KR" altLang="en-US" dirty="0"/>
-          </a:p>
-        </p:txBody>
-      </p:sp>
-      <p:sp>
-        <p:nvSpPr>
-          <p:cNvPr id="55" name="직사각형 54">
-            <a:extLst>
-              <a:ext uri="{FF2B5EF4-FFF2-40B4-BE49-F238E27FC236}">
-                <a16:creationId xmlns:a16="http://schemas.microsoft.com/office/drawing/2014/main" id="{20293380-DF04-4BE3-96D8-2E8A8365FFD1}"/>
-              </a:ext>
-            </a:extLst>
-          </p:cNvPr>
-          <p:cNvSpPr/>
-          <p:nvPr/>
-        </p:nvSpPr>
-        <p:spPr>
-          <a:xfrm>
-            <a:off x="6709808" y="3494733"/>
-            <a:ext cx="689956" cy="365760"/>
-          </a:xfrm>
-          <a:prstGeom prst="rect">
-            <a:avLst/>
-          </a:prstGeom>
-        </p:spPr>
-        <p:style>
-          <a:lnRef idx="2">
-            <a:schemeClr val="accent1">
-              <a:shade val="50000"/>
-            </a:schemeClr>
-          </a:lnRef>
-          <a:fillRef idx="1">
-            <a:schemeClr val="accent1"/>
-          </a:fillRef>
-          <a:effectRef idx="0">
-            <a:schemeClr val="accent1"/>
-          </a:effectRef>
-          <a:fontRef idx="minor">
-            <a:schemeClr val="lt1"/>
-          </a:fontRef>
-        </p:style>
-        <p:txBody>
-          <a:bodyPr rtlCol="0" anchor="ctr"/>
-          <a:lstStyle/>
-          <a:p>
-            <a:pPr algn="ctr"/>
-            <a:r>
-              <a:rPr lang="ko-KR" altLang="en-US" dirty="0"/>
-              <a:t>수정</a:t>
-            </a:r>
-          </a:p>
-        </p:txBody>
-      </p:sp>
-      <p:sp>
-        <p:nvSpPr>
-          <p:cNvPr id="58" name="직사각형 57">
-            <a:extLst>
-              <a:ext uri="{FF2B5EF4-FFF2-40B4-BE49-F238E27FC236}">
-                <a16:creationId xmlns:a16="http://schemas.microsoft.com/office/drawing/2014/main" id="{1BF20530-DEDB-4FDE-B337-122BE05A1B36}"/>
-              </a:ext>
-            </a:extLst>
-          </p:cNvPr>
-          <p:cNvSpPr/>
-          <p:nvPr/>
-        </p:nvSpPr>
-        <p:spPr>
-          <a:xfrm>
-            <a:off x="5379772" y="3868806"/>
-            <a:ext cx="2019992" cy="432262"/>
-          </a:xfrm>
-          <a:prstGeom prst="rect">
-            <a:avLst/>
-          </a:prstGeom>
-          <a:solidFill>
-            <a:schemeClr val="bg1"/>
-          </a:solidFill>
-        </p:spPr>
-        <p:style>
-          <a:lnRef idx="2">
-            <a:schemeClr val="accent1">
-              <a:shade val="50000"/>
-            </a:schemeClr>
-          </a:lnRef>
-          <a:fillRef idx="1">
-            <a:schemeClr val="accent1"/>
-          </a:fillRef>
-          <a:effectRef idx="0">
-            <a:schemeClr val="accent1"/>
-          </a:effectRef>
-          <a:fontRef idx="minor">
-            <a:schemeClr val="lt1"/>
-          </a:fontRef>
-        </p:style>
-        <p:txBody>
-          <a:bodyPr rtlCol="0" anchor="ctr"/>
-          <a:lstStyle/>
-          <a:p>
-            <a:r>
-              <a:rPr lang="en-US" altLang="ko-KR" dirty="0">
-                <a:solidFill>
-                  <a:schemeClr val="tx1"/>
-                </a:solidFill>
-              </a:rPr>
-              <a:t>           --------\</a:t>
-            </a:r>
-            <a:endParaRPr lang="ko-KR" altLang="en-US" dirty="0">
-              <a:solidFill>
-                <a:schemeClr val="tx1"/>
-              </a:solidFill>
-            </a:endParaRPr>
-          </a:p>
-        </p:txBody>
-      </p:sp>
-      <p:sp>
-        <p:nvSpPr>
-          <p:cNvPr id="62" name="직사각형 61">
-            <a:extLst>
-              <a:ext uri="{FF2B5EF4-FFF2-40B4-BE49-F238E27FC236}">
-                <a16:creationId xmlns:a16="http://schemas.microsoft.com/office/drawing/2014/main" id="{52CBA779-83E4-4EE5-A6C5-28663C3E2B42}"/>
-              </a:ext>
-            </a:extLst>
-          </p:cNvPr>
-          <p:cNvSpPr/>
-          <p:nvPr/>
-        </p:nvSpPr>
-        <p:spPr>
-          <a:xfrm>
-            <a:off x="5379772" y="4295010"/>
-            <a:ext cx="2019992" cy="432262"/>
-          </a:xfrm>
-          <a:prstGeom prst="rect">
-            <a:avLst/>
-          </a:prstGeom>
-          <a:solidFill>
-            <a:schemeClr val="bg1"/>
-          </a:solidFill>
-        </p:spPr>
-        <p:style>
-          <a:lnRef idx="2">
-            <a:schemeClr val="accent1">
-              <a:shade val="50000"/>
-            </a:schemeClr>
-          </a:lnRef>
-          <a:fillRef idx="1">
-            <a:schemeClr val="accent1"/>
-          </a:fillRef>
-          <a:effectRef idx="0">
-            <a:schemeClr val="accent1"/>
-          </a:effectRef>
-          <a:fontRef idx="minor">
-            <a:schemeClr val="lt1"/>
-          </a:fontRef>
-        </p:style>
-        <p:txBody>
-          <a:bodyPr rtlCol="0" anchor="ctr"/>
-          <a:lstStyle/>
-          <a:p>
-            <a:r>
-              <a:rPr lang="en-US" altLang="ko-KR" dirty="0">
-                <a:solidFill>
-                  <a:schemeClr val="tx1"/>
-                </a:solidFill>
-              </a:rPr>
-              <a:t>  </a:t>
-            </a:r>
-            <a:r>
-              <a:rPr lang="ko-KR" altLang="en-US" dirty="0">
-                <a:solidFill>
-                  <a:schemeClr val="tx1"/>
-                </a:solidFill>
-              </a:rPr>
-              <a:t>모임 소속 인원</a:t>
-            </a:r>
-          </a:p>
-        </p:txBody>
-      </p:sp>
-      <p:cxnSp>
-        <p:nvCxnSpPr>
-          <p:cNvPr id="76" name="직선 화살표 연결선 75">
-            <a:extLst>
-              <a:ext uri="{FF2B5EF4-FFF2-40B4-BE49-F238E27FC236}">
-                <a16:creationId xmlns:a16="http://schemas.microsoft.com/office/drawing/2014/main" id="{53F1BCA1-652A-4890-BD85-C5F7CBE65434}"/>
-              </a:ext>
-            </a:extLst>
-          </p:cNvPr>
-          <p:cNvCxnSpPr>
-            <a:cxnSpLocks/>
-            <a:stCxn id="28" idx="3"/>
-          </p:cNvCxnSpPr>
-          <p:nvPr/>
-        </p:nvCxnSpPr>
-        <p:spPr>
-          <a:xfrm>
-            <a:off x="2610403" y="1862053"/>
-            <a:ext cx="2760236" cy="2858809"/>
-          </a:xfrm>
-          <a:prstGeom prst="straightConnector1">
-            <a:avLst/>
-          </a:prstGeom>
-          <a:ln>
-            <a:tailEnd type="triangle"/>
-          </a:ln>
-        </p:spPr>
-        <p:style>
-          <a:lnRef idx="1">
-            <a:schemeClr val="accent1"/>
-          </a:lnRef>
-          <a:fillRef idx="0">
-            <a:schemeClr val="accent1"/>
-          </a:fillRef>
-          <a:effectRef idx="0">
-            <a:schemeClr val="accent1"/>
-          </a:effectRef>
-          <a:fontRef idx="minor">
-            <a:schemeClr val="tx1"/>
-          </a:fontRef>
-        </p:style>
-      </p:cxnSp>
     </p:spTree>
     <p:extLst>
       <p:ext uri="{BB962C8B-B14F-4D97-AF65-F5344CB8AC3E}">
@@ -7906,6 +8179,53 @@
           </p:txBody>
         </p:sp>
       </p:grpSp>
+      <p:sp>
+        <p:nvSpPr>
+          <p:cNvPr id="14" name="직사각형 13">
+            <a:extLst>
+              <a:ext uri="{FF2B5EF4-FFF2-40B4-BE49-F238E27FC236}">
+                <a16:creationId xmlns:a16="http://schemas.microsoft.com/office/drawing/2014/main" id="{C913BA50-EE96-46D2-A16C-AAAB1E692F2B}"/>
+              </a:ext>
+            </a:extLst>
+          </p:cNvPr>
+          <p:cNvSpPr/>
+          <p:nvPr/>
+        </p:nvSpPr>
+        <p:spPr>
+          <a:xfrm>
+            <a:off x="-57673" y="-43756"/>
+            <a:ext cx="1727200" cy="612782"/>
+          </a:xfrm>
+          <a:prstGeom prst="rect">
+            <a:avLst/>
+          </a:prstGeom>
+        </p:spPr>
+        <p:style>
+          <a:lnRef idx="2">
+            <a:schemeClr val="dk1"/>
+          </a:lnRef>
+          <a:fillRef idx="1">
+            <a:schemeClr val="lt1"/>
+          </a:fillRef>
+          <a:effectRef idx="0">
+            <a:schemeClr val="dk1"/>
+          </a:effectRef>
+          <a:fontRef idx="minor">
+            <a:schemeClr val="dk1"/>
+          </a:fontRef>
+        </p:style>
+        <p:txBody>
+          <a:bodyPr rtlCol="0" anchor="ctr"/>
+          <a:lstStyle/>
+          <a:p>
+            <a:pPr algn="ctr"/>
+            <a:r>
+              <a:rPr lang="ko-KR" altLang="en-US" dirty="0"/>
+              <a:t>모임 화면</a:t>
+            </a:r>
+          </a:p>
+        </p:txBody>
+      </p:sp>
     </p:spTree>
     <p:extLst>
       <p:ext uri="{BB962C8B-B14F-4D97-AF65-F5344CB8AC3E}">
